--- a/ConstructionGuide/Wiring_Diagram_MotoButtons2.pptx
+++ b/ConstructionGuide/Wiring_Diagram_MotoButtons2.pptx
@@ -116,7 +116,7 @@
 <file path=ppt/revisionInfo.xml><?xml version="1.0" encoding="utf-8"?>
 <p1510:revInfo xmlns:a="http://schemas.openxmlformats.org/drawingml/2006/main" xmlns:r="http://schemas.openxmlformats.org/officeDocument/2006/relationships" xmlns:p1510="http://schemas.microsoft.com/office/powerpoint/2015/10/main">
   <p1510:revLst>
-    <p1510:client id="{CBBDF6FF-E12D-4238-B82F-1E9056D992A2}" v="156" dt="2024-09-26T18:23:57.702"/>
+    <p1510:client id="{CBBDF6FF-E12D-4238-B82F-1E9056D992A2}" v="157" dt="2024-09-27T16:57:34.120"/>
   </p1510:revLst>
 </p1510:revInfo>
 </file>
@@ -126,7 +126,7 @@
   <pc:docChgLst>
     <pc:chgData name="Jonathan Cox" userId="f9dec82dd8fc0d74" providerId="LiveId" clId="{CBBDF6FF-E12D-4238-B82F-1E9056D992A2}"/>
     <pc:docChg chg="undo custSel addSld modSld sldOrd">
-      <pc:chgData name="Jonathan Cox" userId="f9dec82dd8fc0d74" providerId="LiveId" clId="{CBBDF6FF-E12D-4238-B82F-1E9056D992A2}" dt="2024-09-26T18:15:28.548" v="979" actId="1076"/>
+      <pc:chgData name="Jonathan Cox" userId="f9dec82dd8fc0d74" providerId="LiveId" clId="{CBBDF6FF-E12D-4238-B82F-1E9056D992A2}" dt="2024-09-27T16:57:39.879" v="985" actId="14100"/>
       <pc:docMkLst>
         <pc:docMk/>
       </pc:docMkLst>
@@ -218,7 +218,7 @@
         </pc:cxnChg>
       </pc:sldChg>
       <pc:sldChg chg="addSp delSp modSp new mod">
-        <pc:chgData name="Jonathan Cox" userId="f9dec82dd8fc0d74" providerId="LiveId" clId="{CBBDF6FF-E12D-4238-B82F-1E9056D992A2}" dt="2024-09-26T18:15:28.548" v="979" actId="1076"/>
+        <pc:chgData name="Jonathan Cox" userId="f9dec82dd8fc0d74" providerId="LiveId" clId="{CBBDF6FF-E12D-4238-B82F-1E9056D992A2}" dt="2024-09-27T16:57:39.879" v="985" actId="14100"/>
         <pc:sldMkLst>
           <pc:docMk/>
           <pc:sldMk cId="3333163156" sldId="257"/>
@@ -295,8 +295,8 @@
             <ac:spMk id="11" creationId="{D1AB51B9-41E9-0D52-A179-78BFEE5A6FBA}"/>
           </ac:spMkLst>
         </pc:spChg>
-        <pc:spChg chg="add mod">
-          <ac:chgData name="Jonathan Cox" userId="f9dec82dd8fc0d74" providerId="LiveId" clId="{CBBDF6FF-E12D-4238-B82F-1E9056D992A2}" dt="2024-09-26T18:07:07.042" v="868" actId="1076"/>
+        <pc:spChg chg="add del mod">
+          <ac:chgData name="Jonathan Cox" userId="f9dec82dd8fc0d74" providerId="LiveId" clId="{CBBDF6FF-E12D-4238-B82F-1E9056D992A2}" dt="2024-09-27T16:57:29.483" v="982" actId="478"/>
           <ac:spMkLst>
             <pc:docMk/>
             <pc:sldMk cId="3333163156" sldId="257"/>
@@ -367,8 +367,8 @@
             <ac:spMk id="1033" creationId="{01CC50B6-E330-F650-28B9-5C8C0F9BA9C3}"/>
           </ac:spMkLst>
         </pc:spChg>
-        <pc:spChg chg="add mod">
-          <ac:chgData name="Jonathan Cox" userId="f9dec82dd8fc0d74" providerId="LiveId" clId="{CBBDF6FF-E12D-4238-B82F-1E9056D992A2}" dt="2024-09-26T18:07:48.735" v="880" actId="1076"/>
+        <pc:spChg chg="add del mod">
+          <ac:chgData name="Jonathan Cox" userId="f9dec82dd8fc0d74" providerId="LiveId" clId="{CBBDF6FF-E12D-4238-B82F-1E9056D992A2}" dt="2024-09-27T16:57:26.017" v="980" actId="478"/>
           <ac:spMkLst>
             <pc:docMk/>
             <pc:sldMk cId="3333163156" sldId="257"/>
@@ -887,6 +887,14 @@
             <ac:picMk id="1206" creationId="{587638A1-910D-98C9-2311-EE7567D3D546}"/>
           </ac:picMkLst>
         </pc:picChg>
+        <pc:cxnChg chg="add mod">
+          <ac:chgData name="Jonathan Cox" userId="f9dec82dd8fc0d74" providerId="LiveId" clId="{CBBDF6FF-E12D-4238-B82F-1E9056D992A2}" dt="2024-09-27T16:57:39.879" v="985" actId="14100"/>
+          <ac:cxnSpMkLst>
+            <pc:docMk/>
+            <pc:sldMk cId="3333163156" sldId="257"/>
+            <ac:cxnSpMk id="2" creationId="{A86D0316-8EBE-79F6-1AF3-507BD6BC2592}"/>
+          </ac:cxnSpMkLst>
+        </pc:cxnChg>
         <pc:cxnChg chg="mod">
           <ac:chgData name="Jonathan Cox" userId="f9dec82dd8fc0d74" providerId="LiveId" clId="{CBBDF6FF-E12D-4238-B82F-1E9056D992A2}" dt="2024-09-26T17:14:58.713" v="3"/>
           <ac:cxnSpMkLst>
@@ -959,8 +967,8 @@
             <ac:cxnSpMk id="51" creationId="{0120665C-D40E-23E2-F0C1-3F32F923A989}"/>
           </ac:cxnSpMkLst>
         </pc:cxnChg>
-        <pc:cxnChg chg="add mod">
-          <ac:chgData name="Jonathan Cox" userId="f9dec82dd8fc0d74" providerId="LiveId" clId="{CBBDF6FF-E12D-4238-B82F-1E9056D992A2}" dt="2024-09-26T18:07:07.042" v="868" actId="1076"/>
+        <pc:cxnChg chg="add del mod">
+          <ac:chgData name="Jonathan Cox" userId="f9dec82dd8fc0d74" providerId="LiveId" clId="{CBBDF6FF-E12D-4238-B82F-1E9056D992A2}" dt="2024-09-27T16:57:28.115" v="981" actId="478"/>
           <ac:cxnSpMkLst>
             <pc:docMk/>
             <pc:sldMk cId="3333163156" sldId="257"/>
@@ -1248,7 +1256,7 @@
           <a:p>
             <a:fld id="{B4698398-B31B-489E-829D-96AEB5E4BB21}" type="datetimeFigureOut">
               <a:rPr lang="en-US" smtClean="0"/>
-              <a:t>9/26/2024</a:t>
+              <a:t>9/27/2024</a:t>
             </a:fld>
             <a:endParaRPr lang="en-US"/>
           </a:p>
@@ -1446,7 +1454,7 @@
           <a:p>
             <a:fld id="{B4698398-B31B-489E-829D-96AEB5E4BB21}" type="datetimeFigureOut">
               <a:rPr lang="en-US" smtClean="0"/>
-              <a:t>9/26/2024</a:t>
+              <a:t>9/27/2024</a:t>
             </a:fld>
             <a:endParaRPr lang="en-US"/>
           </a:p>
@@ -1654,7 +1662,7 @@
           <a:p>
             <a:fld id="{B4698398-B31B-489E-829D-96AEB5E4BB21}" type="datetimeFigureOut">
               <a:rPr lang="en-US" smtClean="0"/>
-              <a:t>9/26/2024</a:t>
+              <a:t>9/27/2024</a:t>
             </a:fld>
             <a:endParaRPr lang="en-US"/>
           </a:p>
@@ -1852,7 +1860,7 @@
           <a:p>
             <a:fld id="{B4698398-B31B-489E-829D-96AEB5E4BB21}" type="datetimeFigureOut">
               <a:rPr lang="en-US" smtClean="0"/>
-              <a:t>9/26/2024</a:t>
+              <a:t>9/27/2024</a:t>
             </a:fld>
             <a:endParaRPr lang="en-US"/>
           </a:p>
@@ -2127,7 +2135,7 @@
           <a:p>
             <a:fld id="{B4698398-B31B-489E-829D-96AEB5E4BB21}" type="datetimeFigureOut">
               <a:rPr lang="en-US" smtClean="0"/>
-              <a:t>9/26/2024</a:t>
+              <a:t>9/27/2024</a:t>
             </a:fld>
             <a:endParaRPr lang="en-US"/>
           </a:p>
@@ -2392,7 +2400,7 @@
           <a:p>
             <a:fld id="{B4698398-B31B-489E-829D-96AEB5E4BB21}" type="datetimeFigureOut">
               <a:rPr lang="en-US" smtClean="0"/>
-              <a:t>9/26/2024</a:t>
+              <a:t>9/27/2024</a:t>
             </a:fld>
             <a:endParaRPr lang="en-US"/>
           </a:p>
@@ -2804,7 +2812,7 @@
           <a:p>
             <a:fld id="{B4698398-B31B-489E-829D-96AEB5E4BB21}" type="datetimeFigureOut">
               <a:rPr lang="en-US" smtClean="0"/>
-              <a:t>9/26/2024</a:t>
+              <a:t>9/27/2024</a:t>
             </a:fld>
             <a:endParaRPr lang="en-US"/>
           </a:p>
@@ -2945,7 +2953,7 @@
           <a:p>
             <a:fld id="{B4698398-B31B-489E-829D-96AEB5E4BB21}" type="datetimeFigureOut">
               <a:rPr lang="en-US" smtClean="0"/>
-              <a:t>9/26/2024</a:t>
+              <a:t>9/27/2024</a:t>
             </a:fld>
             <a:endParaRPr lang="en-US"/>
           </a:p>
@@ -3058,7 +3066,7 @@
           <a:p>
             <a:fld id="{B4698398-B31B-489E-829D-96AEB5E4BB21}" type="datetimeFigureOut">
               <a:rPr lang="en-US" smtClean="0"/>
-              <a:t>9/26/2024</a:t>
+              <a:t>9/27/2024</a:t>
             </a:fld>
             <a:endParaRPr lang="en-US"/>
           </a:p>
@@ -3369,7 +3377,7 @@
           <a:p>
             <a:fld id="{B4698398-B31B-489E-829D-96AEB5E4BB21}" type="datetimeFigureOut">
               <a:rPr lang="en-US" smtClean="0"/>
-              <a:t>9/26/2024</a:t>
+              <a:t>9/27/2024</a:t>
             </a:fld>
             <a:endParaRPr lang="en-US"/>
           </a:p>
@@ -3657,7 +3665,7 @@
           <a:p>
             <a:fld id="{B4698398-B31B-489E-829D-96AEB5E4BB21}" type="datetimeFigureOut">
               <a:rPr lang="en-US" smtClean="0"/>
-              <a:t>9/26/2024</a:t>
+              <a:t>9/27/2024</a:t>
             </a:fld>
             <a:endParaRPr lang="en-US"/>
           </a:p>
@@ -3898,7 +3906,7 @@
           <a:p>
             <a:fld id="{B4698398-B31B-489E-829D-96AEB5E4BB21}" type="datetimeFigureOut">
               <a:rPr lang="en-US" smtClean="0"/>
-              <a:t>9/26/2024</a:t>
+              <a:t>9/27/2024</a:t>
             </a:fld>
             <a:endParaRPr lang="en-US"/>
           </a:p>
@@ -5172,106 +5180,6 @@
       </p:cxnSp>
       <p:sp>
         <p:nvSpPr>
-          <p:cNvPr id="50" name="Oval 49">
-            <a:extLst>
-              <a:ext uri="{FF2B5EF4-FFF2-40B4-BE49-F238E27FC236}">
-                <a16:creationId xmlns:a16="http://schemas.microsoft.com/office/drawing/2014/main" id="{6510B7F1-15CD-5A48-F6B7-6AD2E32578BE}"/>
-              </a:ext>
-            </a:extLst>
-          </p:cNvPr>
-          <p:cNvSpPr/>
-          <p:nvPr/>
-        </p:nvSpPr>
-        <p:spPr>
-          <a:xfrm>
-            <a:off x="7601645" y="2955793"/>
-            <a:ext cx="77002" cy="77002"/>
-          </a:xfrm>
-          <a:prstGeom prst="ellipse">
-            <a:avLst/>
-          </a:prstGeom>
-          <a:solidFill>
-            <a:srgbClr val="009900"/>
-          </a:solidFill>
-          <a:ln>
-            <a:noFill/>
-          </a:ln>
-        </p:spPr>
-        <p:style>
-          <a:lnRef idx="2">
-            <a:schemeClr val="accent1">
-              <a:shade val="15000"/>
-            </a:schemeClr>
-          </a:lnRef>
-          <a:fillRef idx="1">
-            <a:schemeClr val="accent1"/>
-          </a:fillRef>
-          <a:effectRef idx="0">
-            <a:schemeClr val="accent1"/>
-          </a:effectRef>
-          <a:fontRef idx="minor">
-            <a:schemeClr val="lt1"/>
-          </a:fontRef>
-        </p:style>
-        <p:txBody>
-          <a:bodyPr rtlCol="0" anchor="ctr"/>
-          <a:lstStyle/>
-          <a:p>
-            <a:pPr algn="ctr"/>
-            <a:endParaRPr lang="en-US"/>
-          </a:p>
-        </p:txBody>
-      </p:sp>
-      <p:cxnSp>
-        <p:nvCxnSpPr>
-          <p:cNvPr id="55" name="Connector: Elbow 54">
-            <a:extLst>
-              <a:ext uri="{FF2B5EF4-FFF2-40B4-BE49-F238E27FC236}">
-                <a16:creationId xmlns:a16="http://schemas.microsoft.com/office/drawing/2014/main" id="{7F399AFF-78EB-666F-F944-E6A7857232A2}"/>
-              </a:ext>
-            </a:extLst>
-          </p:cNvPr>
-          <p:cNvCxnSpPr>
-            <a:cxnSpLocks/>
-            <a:stCxn id="50" idx="4"/>
-            <a:endCxn id="10" idx="2"/>
-          </p:cNvCxnSpPr>
-          <p:nvPr/>
-        </p:nvCxnSpPr>
-        <p:spPr>
-          <a:xfrm rot="16200000" flipH="1">
-            <a:off x="8124599" y="2548341"/>
-            <a:ext cx="146231" cy="1115137"/>
-          </a:xfrm>
-          <a:prstGeom prst="bentConnector3">
-            <a:avLst>
-              <a:gd name="adj1" fmla="val 256328"/>
-            </a:avLst>
-          </a:prstGeom>
-          <a:ln w="31750">
-            <a:solidFill>
-              <a:srgbClr val="009900"/>
-            </a:solidFill>
-            <a:tailEnd type="none"/>
-          </a:ln>
-        </p:spPr>
-        <p:style>
-          <a:lnRef idx="2">
-            <a:schemeClr val="dk1"/>
-          </a:lnRef>
-          <a:fillRef idx="0">
-            <a:schemeClr val="dk1"/>
-          </a:fillRef>
-          <a:effectRef idx="1">
-            <a:schemeClr val="dk1"/>
-          </a:effectRef>
-          <a:fontRef idx="minor">
-            <a:schemeClr val="tx1"/>
-          </a:fontRef>
-        </p:style>
-      </p:cxnSp>
-      <p:sp>
-        <p:nvSpPr>
           <p:cNvPr id="62" name="TextBox 61">
             <a:extLst>
               <a:ext uri="{FF2B5EF4-FFF2-40B4-BE49-F238E27FC236}">
@@ -5449,45 +5357,6 @@
             <a:r>
               <a:rPr lang="en-US" sz="1400" b="1" dirty="0"/>
               <a:t>(e.g. USB Cable)</a:t>
-            </a:r>
-          </a:p>
-        </p:txBody>
-      </p:sp>
-      <p:sp>
-        <p:nvSpPr>
-          <p:cNvPr id="1034" name="TextBox 1033">
-            <a:extLst>
-              <a:ext uri="{FF2B5EF4-FFF2-40B4-BE49-F238E27FC236}">
-                <a16:creationId xmlns:a16="http://schemas.microsoft.com/office/drawing/2014/main" id="{DC7F742C-57B2-AF6C-CDBA-366236C8CB4F}"/>
-              </a:ext>
-            </a:extLst>
-          </p:cNvPr>
-          <p:cNvSpPr txBox="1"/>
-          <p:nvPr/>
-        </p:nvSpPr>
-        <p:spPr>
-          <a:xfrm>
-            <a:off x="6408168" y="488084"/>
-            <a:ext cx="1356077" cy="307777"/>
-          </a:xfrm>
-          <a:prstGeom prst="rect">
-            <a:avLst/>
-          </a:prstGeom>
-          <a:noFill/>
-        </p:spPr>
-        <p:txBody>
-          <a:bodyPr wrap="none" rtlCol="0">
-            <a:spAutoFit/>
-          </a:bodyPr>
-          <a:lstStyle/>
-          <a:p>
-            <a:r>
-              <a:rPr lang="en-US" sz="1400" b="1" dirty="0">
-                <a:solidFill>
-                  <a:srgbClr val="009900"/>
-                </a:solidFill>
-              </a:rPr>
-              <a:t>Ground Wiring</a:t>
             </a:r>
           </a:p>
         </p:txBody>
@@ -7995,6 +7864,52 @@
           </a:p>
         </p:txBody>
       </p:sp>
+      <p:cxnSp>
+        <p:nvCxnSpPr>
+          <p:cNvPr id="2" name="Connector: Elbow 1">
+            <a:extLst>
+              <a:ext uri="{FF2B5EF4-FFF2-40B4-BE49-F238E27FC236}">
+                <a16:creationId xmlns:a16="http://schemas.microsoft.com/office/drawing/2014/main" id="{A86D0316-8EBE-79F6-1AF3-507BD6BC2592}"/>
+              </a:ext>
+            </a:extLst>
+          </p:cNvPr>
+          <p:cNvCxnSpPr>
+            <a:cxnSpLocks/>
+            <a:stCxn id="10" idx="2"/>
+            <a:endCxn id="1055" idx="6"/>
+          </p:cNvCxnSpPr>
+          <p:nvPr/>
+        </p:nvCxnSpPr>
+        <p:spPr>
+          <a:xfrm rot="5400000">
+            <a:off x="7927410" y="2436451"/>
+            <a:ext cx="85298" cy="1570449"/>
+          </a:xfrm>
+          <a:prstGeom prst="bentConnector2">
+            <a:avLst/>
+          </a:prstGeom>
+          <a:ln w="31750">
+            <a:solidFill>
+              <a:srgbClr val="7030A0"/>
+            </a:solidFill>
+            <a:tailEnd type="none"/>
+          </a:ln>
+        </p:spPr>
+        <p:style>
+          <a:lnRef idx="2">
+            <a:schemeClr val="dk1"/>
+          </a:lnRef>
+          <a:fillRef idx="0">
+            <a:schemeClr val="dk1"/>
+          </a:fillRef>
+          <a:effectRef idx="1">
+            <a:schemeClr val="dk1"/>
+          </a:effectRef>
+          <a:fontRef idx="minor">
+            <a:schemeClr val="tx1"/>
+          </a:fontRef>
+        </p:style>
+      </p:cxnSp>
     </p:spTree>
     <p:extLst>
       <p:ext uri="{BB962C8B-B14F-4D97-AF65-F5344CB8AC3E}">
